--- a/2d겜플 중간발표 2017184002구건모.pptx
+++ b/2d겜플 중간발표 2017184002구건모.pptx
@@ -7923,7 +7923,7 @@
         <p:spPr>
           <a:xfrm>
             <a:off x="8112224" y="470978"/>
-            <a:ext cx="1537600" cy="869790"/>
+            <a:ext cx="3124573" cy="923330"/>
           </a:xfrm>
           <a:prstGeom prst="rect">
             <a:avLst/>
@@ -7962,7 +7962,23 @@
             </a:r>
             <a:r>
               <a:rPr lang="en-US" altLang="ko-KR" dirty="0" smtClean="0"/>
-              <a:t>= 1cm</a:t>
+              <a:t>= </a:t>
+            </a:r>
+            <a:r>
+              <a:rPr lang="en-US" altLang="ko-KR" dirty="0" smtClean="0"/>
+              <a:t>1cm   </a:t>
+            </a:r>
+            <a:r>
+              <a:rPr lang="ko-KR" altLang="en-US" dirty="0" smtClean="0"/>
+              <a:t>시속 </a:t>
+            </a:r>
+            <a:r>
+              <a:rPr lang="en-US" altLang="ko-KR" dirty="0" smtClean="0"/>
+              <a:t>20</a:t>
+            </a:r>
+            <a:r>
+              <a:rPr lang="en-US" altLang="ko-KR" dirty="0" smtClean="0"/>
+              <a:t>km/h</a:t>
             </a:r>
             <a:endParaRPr lang="ko-KR" altLang="en-US" dirty="0"/>
           </a:p>
@@ -10235,7 +10251,7 @@
   <a:extraClrSchemeLst/>
   <a:extLst>
     <a:ext uri="{05A4C25C-085E-4340-85A3-A5531E510DB2}">
-      <thm15:themeFamily xmlns:thm15="http://schemas.microsoft.com/office/thememl/2012/main" xmlns="" name="Office Theme" id="{62F939B6-93AF-4DB8-9C6B-D6C7DFDC589F}" vid="{4A3C46E8-61CC-4603-A589-7422A47A8E4A}"/>
+      <thm15:themeFamily xmlns="" xmlns:thm15="http://schemas.microsoft.com/office/thememl/2012/main" name="Office Theme" id="{62F939B6-93AF-4DB8-9C6B-D6C7DFDC589F}" vid="{4A3C46E8-61CC-4603-A589-7422A47A8E4A}"/>
     </a:ext>
   </a:extLst>
 </a:theme>
